--- a/publications/academia/poster/ucm/paper1/36x42_phdposter_caio_moreno.pptx
+++ b/publications/academia/poster/ucm/paper1/36x42_phdposter_caio_moreno.pptx
@@ -209,7 +209,7 @@
             <a:fld id="{8A27B708-2555-834C-97B8-35CDF758D659}" type="datetimeFigureOut">
               <a:rPr lang="en-US" smtClean="0"/>
               <a:pPr/>
-              <a:t>9/12/2020</a:t>
+              <a:t>9/17/2020</a:t>
             </a:fld>
             <a:endParaRPr lang="en-US"/>
           </a:p>
@@ -1240,36 +1240,6 @@
           </a:p>
         </p:txBody>
       </p:sp>
-      <p:pic>
-        <p:nvPicPr>
-          <p:cNvPr id="4" name="Picture 3" descr="Logo.jpg"/>
-          <p:cNvPicPr>
-            <a:picLocks noChangeAspect="1"/>
-          </p:cNvPicPr>
-          <p:nvPr userDrawn="1"/>
-        </p:nvPicPr>
-        <p:blipFill>
-          <a:blip r:embed="rId2" cstate="print">
-            <a:extLst>
-              <a:ext uri="{28A0092B-C50C-407E-A947-70E740481C1C}">
-                <a14:useLocalDpi xmlns:a14="http://schemas.microsoft.com/office/drawing/2010/main" val="0"/>
-              </a:ext>
-            </a:extLst>
-          </a:blip>
-          <a:stretch>
-            <a:fillRect/>
-          </a:stretch>
-        </p:blipFill>
-        <p:spPr>
-          <a:xfrm>
-            <a:off x="17526000" y="16201437"/>
-            <a:ext cx="1371600" cy="219456"/>
-          </a:xfrm>
-          <a:prstGeom prst="rect">
-            <a:avLst/>
-          </a:prstGeom>
-        </p:spPr>
-      </p:pic>
     </p:spTree>
   </p:cSld>
   <p:clrMapOvr>
